--- a/Syllabus/Lecture13/Lec13.pptx
+++ b/Syllabus/Lecture13/Lec13.pptx
@@ -269,7 +269,7 @@
           <a:p>
             <a:fld id="{DF9C6931-D0F6-AB40-9D7F-95567148A5C2}" type="datetimeFigureOut">
               <a:rPr lang="en-US" smtClean="0"/>
-              <a:t>10/5/22</a:t>
+              <a:t>10/17/22</a:t>
             </a:fld>
             <a:endParaRPr lang="en-US"/>
           </a:p>
@@ -446,7 +446,7 @@
           <a:p>
             <a:fld id="{736C18F2-6801-5147-A332-A6E1C7D69D18}" type="datetimeFigureOut">
               <a:rPr lang="en-US" smtClean="0"/>
-              <a:t>10/5/22</a:t>
+              <a:t>10/17/22</a:t>
             </a:fld>
             <a:endParaRPr lang="en-US"/>
           </a:p>
